--- a/11-13_SQL_Interogari - elemente de baza/13_SQL4_SELECT_Functii_agregat_grupuri.pptx
+++ b/11-13_SQL_Interogari - elemente de baza/13_SQL4_SELECT_Functii_agregat_grupuri.pptx
@@ -26816,37 +26816,6 @@
                 <a:spcPts val="0"/>
               </a:spcAft>
             </a:pPr>
-            <a:r>
-              <a:rPr lang="en-US" dirty="0"/>
-              <a:t>033 having-Complete SQL Bootcamp </a:t>
-            </a:r>
-            <a:r>
-              <a:rPr lang="en-US" dirty="0">
-                <a:cs typeface="Avenir Light"/>
-                <a:hlinkClick r:id="rId2"/>
-              </a:rPr>
-              <a:t>https://www.youtube.com/watch?v=a1sVnck5VE4</a:t>
-            </a:r>
-            <a:endParaRPr lang="en-US" dirty="0">
-              <a:cs typeface="Avenir Light"/>
-            </a:endParaRPr>
-          </a:p>
-          <a:p>
-            <a:pPr fontAlgn="auto">
-              <a:spcAft>
-                <a:spcPts val="0"/>
-              </a:spcAft>
-            </a:pPr>
-            <a:endParaRPr lang="en-US" dirty="0">
-              <a:cs typeface="Avenir Light"/>
-            </a:endParaRPr>
-          </a:p>
-          <a:p>
-            <a:pPr fontAlgn="auto">
-              <a:spcAft>
-                <a:spcPts val="0"/>
-              </a:spcAft>
-            </a:pPr>
             <a:endParaRPr lang="en-US" dirty="0">
               <a:cs typeface="Avenir Light"/>
             </a:endParaRPr>
@@ -28090,13 +28059,7 @@
               <a:rPr lang="ro-RO" i="1" dirty="0">
                 <a:cs typeface="Avenir Medium"/>
               </a:rPr>
-              <a:t>În ce zile s-au emis mai multe facturi decât pe 2 </a:t>
-            </a:r>
-            <a:r>
-              <a:rPr lang="ro-RO" i="1">
-                <a:cs typeface="Avenir Medium"/>
-              </a:rPr>
-              <a:t>august 2013?</a:t>
+              <a:t>În ce zile s-au emis mai multe facturi decât pe 2 august 2013?</a:t>
             </a:r>
             <a:endParaRPr lang="en-US" sz="2800" dirty="0">
               <a:cs typeface="Avenir Medium"/>
@@ -28142,8 +28105,23 @@
                 <a:cs typeface="Avenir Medium"/>
                 <a:hlinkClick r:id="rId2"/>
               </a:rPr>
-              <a:t>https://onedrive.live.com/redir?resid=9233CD031198EF03!8354&amp;authkey=!APamgGKA-ScA6QI&amp;ithint=video%2cwmv</a:t>
-            </a:r>
+              <a:t>https://1drv.ms/i/s!AgPvmBEDzTOSwSL2poBigPknAOkC</a:t>
+            </a:r>
+            <a:endParaRPr lang="ro-RO" dirty="0">
+              <a:cs typeface="Avenir Medium"/>
+            </a:endParaRPr>
+          </a:p>
+          <a:p>
+            <a:pPr fontAlgn="base">
+              <a:lnSpc>
+                <a:spcPct val="110000"/>
+              </a:lnSpc>
+              <a:spcAft>
+                <a:spcPct val="0"/>
+              </a:spcAft>
+              <a:buNone/>
+              <a:defRPr/>
+            </a:pPr>
             <a:endParaRPr lang="ro-RO" dirty="0">
               <a:cs typeface="Avenir Medium"/>
             </a:endParaRPr>

--- a/11-13_SQL_Interogari - elemente de baza/13_SQL4_SELECT_Functii_agregat_grupuri.pptx
+++ b/11-13_SQL_Interogari - elemente de baza/13_SQL4_SELECT_Functii_agregat_grupuri.pptx
@@ -9982,7 +9982,7 @@
         </p:nvSpPr>
         <p:spPr>
           <a:xfrm>
-            <a:off x="1104900" y="1943100"/>
+            <a:off x="1104900" y="2330377"/>
             <a:ext cx="7841488" cy="4419600"/>
           </a:xfrm>
         </p:spPr>
@@ -9991,25 +9991,101 @@
           <a:lstStyle/>
           <a:p>
             <a:r>
-              <a:rPr lang="ro-RO"/>
-              <a:t>Funcţiile agregat pot fi aplicate la nivel de grup de înregistrări</a:t>
-            </a:r>
-          </a:p>
-          <a:p>
-            <a:r>
-              <a:rPr lang="ro-RO"/>
-              <a:t>Rezultatul are un număr de linii egal cu numărul de valori distincte ale atributu-lui/coloanei de grupare</a:t>
-            </a:r>
-          </a:p>
-          <a:p>
-            <a:r>
-              <a:rPr lang="ro-RO"/>
+              <a:rPr lang="ro-RO" dirty="0" err="1"/>
+              <a:t>Funcţiile</a:t>
+            </a:r>
+            <a:r>
+              <a:rPr lang="ro-RO" dirty="0"/>
+              <a:t> agregat pot fi aplicate la nivel de grup de înregistrări</a:t>
+            </a:r>
+          </a:p>
+          <a:p>
+            <a:r>
+              <a:rPr lang="ro-RO" dirty="0"/>
+              <a:t>Rezultatul are un număr de linii egal cu numărul de valori distincte ale </a:t>
+            </a:r>
+            <a:r>
+              <a:rPr lang="ro-RO" dirty="0" err="1"/>
+              <a:t>atributu</a:t>
+            </a:r>
+            <a:r>
+              <a:rPr lang="ro-RO" dirty="0"/>
+              <a:t>-lui/coloanei de grupare</a:t>
+            </a:r>
+          </a:p>
+          <a:p>
+            <a:r>
+              <a:rPr lang="ro-RO" dirty="0"/>
               <a:t>Grupurile pot fi filtrate folosind un predicat cu o clauză HAVING </a:t>
             </a:r>
-            <a:endParaRPr lang="en-US"/>
-          </a:p>
-          <a:p>
-            <a:endParaRPr lang="en-US"/>
+            <a:endParaRPr lang="en-US" dirty="0"/>
+          </a:p>
+          <a:p>
+            <a:endParaRPr lang="en-US" dirty="0"/>
+          </a:p>
+        </p:txBody>
+      </p:sp>
+      <p:sp>
+        <p:nvSpPr>
+          <p:cNvPr id="4" name="Rectangle 3">
+            <a:extLst>
+              <a:ext uri="{FF2B5EF4-FFF2-40B4-BE49-F238E27FC236}">
+                <a16:creationId xmlns:a16="http://schemas.microsoft.com/office/drawing/2014/main" id="{D8B645BF-E484-E748-9C3B-1918326CFD35}"/>
+              </a:ext>
+            </a:extLst>
+          </p:cNvPr>
+          <p:cNvSpPr/>
+          <p:nvPr/>
+        </p:nvSpPr>
+        <p:spPr>
+          <a:xfrm>
+            <a:off x="965200" y="1284569"/>
+            <a:ext cx="7968488" cy="1505027"/>
+          </a:xfrm>
+          <a:prstGeom prst="rect">
+            <a:avLst/>
+          </a:prstGeom>
+        </p:spPr>
+        <p:txBody>
+          <a:bodyPr wrap="square">
+            <a:spAutoFit/>
+          </a:bodyPr>
+          <a:lstStyle/>
+          <a:p>
+            <a:pPr algn="ctr">
+              <a:buNone/>
+            </a:pPr>
+            <a:r>
+              <a:rPr lang="ro-RO" sz="1800" dirty="0">
+                <a:hlinkClick r:id="rId2"/>
+              </a:rPr>
+              <a:t>http://www.postgresqltutorial.com/postgresql-group-by/</a:t>
+            </a:r>
+            <a:endParaRPr lang="ro-RO" sz="1800" dirty="0"/>
+          </a:p>
+          <a:p>
+            <a:pPr algn="ctr">
+              <a:buNone/>
+            </a:pPr>
+            <a:r>
+              <a:rPr lang="ro-RO" sz="1800" dirty="0">
+                <a:hlinkClick r:id="rId3"/>
+              </a:rPr>
+              <a:t>http://www.postgresqltutorial.com/postgresql-aggregate-functions/postgresql-string_agg-function/</a:t>
+            </a:r>
+            <a:endParaRPr lang="ro-RO" sz="1800" dirty="0"/>
+          </a:p>
+          <a:p>
+            <a:pPr algn="ctr">
+              <a:buNone/>
+            </a:pPr>
+            <a:endParaRPr lang="ro-RO" sz="1800" dirty="0"/>
+          </a:p>
+          <a:p>
+            <a:pPr algn="ctr">
+              <a:buNone/>
+            </a:pPr>
+            <a:endParaRPr lang="ro-RO" sz="1800" dirty="0"/>
           </a:p>
         </p:txBody>
       </p:sp>
@@ -16435,6 +16511,52 @@
           </a:p>
         </p:txBody>
       </p:sp>
+      <p:sp>
+        <p:nvSpPr>
+          <p:cNvPr id="4" name="Rectangle 3">
+            <a:extLst>
+              <a:ext uri="{FF2B5EF4-FFF2-40B4-BE49-F238E27FC236}">
+                <a16:creationId xmlns:a16="http://schemas.microsoft.com/office/drawing/2014/main" id="{85FD6E0F-6CE9-B940-924A-C9D4E4E5E18B}"/>
+              </a:ext>
+            </a:extLst>
+          </p:cNvPr>
+          <p:cNvSpPr/>
+          <p:nvPr/>
+        </p:nvSpPr>
+        <p:spPr>
+          <a:xfrm>
+            <a:off x="177800" y="886274"/>
+            <a:ext cx="8788400" cy="584775"/>
+          </a:xfrm>
+          <a:prstGeom prst="rect">
+            <a:avLst/>
+          </a:prstGeom>
+        </p:spPr>
+        <p:txBody>
+          <a:bodyPr wrap="square">
+            <a:spAutoFit/>
+          </a:bodyPr>
+          <a:lstStyle/>
+          <a:p>
+            <a:pPr algn="ctr">
+              <a:buNone/>
+            </a:pPr>
+            <a:r>
+              <a:rPr lang="ro-RO" sz="1600" dirty="0">
+                <a:hlinkClick r:id="rId2"/>
+              </a:rPr>
+              <a:t>http://www.postgresqltutorial.com/postgresql-aggregate-functions/</a:t>
+            </a:r>
+            <a:endParaRPr lang="ro-RO" sz="1600" dirty="0"/>
+          </a:p>
+          <a:p>
+            <a:pPr algn="ctr">
+              <a:buNone/>
+            </a:pPr>
+            <a:endParaRPr lang="ro-RO" sz="1600" dirty="0"/>
+          </a:p>
+        </p:txBody>
+      </p:sp>
     </p:spTree>
   </p:cSld>
   <p:clrMapOvr>
@@ -26335,40 +26457,6 @@
       </p:sp>
       <p:sp>
         <p:nvSpPr>
-          <p:cNvPr id="13316" name="Rectangle 6"/>
-          <p:cNvSpPr>
-            <a:spLocks noChangeArrowheads="1"/>
-          </p:cNvSpPr>
-          <p:nvPr/>
-        </p:nvSpPr>
-        <p:spPr bwMode="auto">
-          <a:xfrm>
-            <a:off x="2328863" y="2538413"/>
-            <a:ext cx="9144000" cy="0"/>
-          </a:xfrm>
-          <a:prstGeom prst="rect">
-            <a:avLst/>
-          </a:prstGeom>
-          <a:noFill/>
-          <a:ln w="9525">
-            <a:noFill/>
-            <a:miter lim="800000"/>
-            <a:headEnd/>
-            <a:tailEnd/>
-          </a:ln>
-        </p:spPr>
-        <p:txBody>
-          <a:bodyPr>
-            <a:spAutoFit/>
-          </a:bodyPr>
-          <a:lstStyle/>
-          <a:p>
-            <a:endParaRPr lang="en-US"/>
-          </a:p>
-        </p:txBody>
-      </p:sp>
-      <p:sp>
-        <p:nvSpPr>
           <p:cNvPr id="5" name="Rectangle 10"/>
           <p:cNvSpPr txBox="1">
             <a:spLocks noChangeArrowheads="1"/>
@@ -26878,6 +26966,52 @@
             <a:endParaRPr lang="en-US" dirty="0">
               <a:cs typeface="Avenir Light"/>
             </a:endParaRPr>
+          </a:p>
+        </p:txBody>
+      </p:sp>
+      <p:sp>
+        <p:nvSpPr>
+          <p:cNvPr id="2" name="Rectangle 1">
+            <a:extLst>
+              <a:ext uri="{FF2B5EF4-FFF2-40B4-BE49-F238E27FC236}">
+                <a16:creationId xmlns:a16="http://schemas.microsoft.com/office/drawing/2014/main" id="{7D640A8B-82FF-3740-8CEC-9BA4A6D1829E}"/>
+              </a:ext>
+            </a:extLst>
+          </p:cNvPr>
+          <p:cNvSpPr/>
+          <p:nvPr/>
+        </p:nvSpPr>
+        <p:spPr>
+          <a:xfrm>
+            <a:off x="1066800" y="2995035"/>
+            <a:ext cx="7620000" cy="1341906"/>
+          </a:xfrm>
+          <a:prstGeom prst="rect">
+            <a:avLst/>
+          </a:prstGeom>
+        </p:spPr>
+        <p:txBody>
+          <a:bodyPr wrap="square">
+            <a:spAutoFit/>
+          </a:bodyPr>
+          <a:lstStyle/>
+          <a:p>
+            <a:pPr>
+              <a:buNone/>
+            </a:pPr>
+            <a:r>
+              <a:rPr lang="ro-RO" dirty="0">
+                <a:hlinkClick r:id="rId2"/>
+              </a:rPr>
+              <a:t>http://www.postgresqltutorial.com/postgresql-having/</a:t>
+            </a:r>
+            <a:endParaRPr lang="ro-RO" dirty="0"/>
+          </a:p>
+          <a:p>
+            <a:pPr>
+              <a:buNone/>
+            </a:pPr>
+            <a:endParaRPr lang="ro-RO" dirty="0"/>
           </a:p>
         </p:txBody>
       </p:sp>
